--- a/documents/Presentasi.pptx
+++ b/documents/Presentasi.pptx
@@ -29,10 +29,10 @@
     <p:sldId id="273" r:id="rId20"/>
     <p:sldId id="272" r:id="rId21"/>
     <p:sldId id="260" r:id="rId22"/>
-    <p:sldId id="277" r:id="rId23"/>
-    <p:sldId id="278" r:id="rId24"/>
-    <p:sldId id="279" r:id="rId25"/>
-    <p:sldId id="280" r:id="rId26"/>
+    <p:sldId id="278" r:id="rId23"/>
+    <p:sldId id="279" r:id="rId24"/>
+    <p:sldId id="280" r:id="rId25"/>
+    <p:sldId id="283" r:id="rId26"/>
     <p:sldId id="261" r:id="rId27"/>
     <p:sldId id="281" r:id="rId28"/>
   </p:sldIdLst>
@@ -223,7 +223,7 @@
           <a:p>
             <a:fld id="{F8E85AC6-75E6-4DE6-B324-2F5EF13D109A}" type="datetimeFigureOut">
               <a:rPr lang="id-ID" smtClean="0"/>
-              <a:t>06/02/2022</a:t>
+              <a:t>15/02/2022</a:t>
             </a:fld>
             <a:endParaRPr lang="id-ID"/>
           </a:p>
@@ -640,7 +640,7 @@
           <a:p>
             <a:fld id="{5E022D91-C303-4029-8807-F49343F41D60}" type="datetimeFigureOut">
               <a:rPr lang="id-ID" smtClean="0"/>
-              <a:t>06/02/2022</a:t>
+              <a:t>15/02/2022</a:t>
             </a:fld>
             <a:endParaRPr lang="id-ID"/>
           </a:p>
@@ -840,7 +840,7 @@
           <a:p>
             <a:fld id="{5E022D91-C303-4029-8807-F49343F41D60}" type="datetimeFigureOut">
               <a:rPr lang="id-ID" smtClean="0"/>
-              <a:t>06/02/2022</a:t>
+              <a:t>15/02/2022</a:t>
             </a:fld>
             <a:endParaRPr lang="id-ID"/>
           </a:p>
@@ -1050,7 +1050,7 @@
           <a:p>
             <a:fld id="{5E022D91-C303-4029-8807-F49343F41D60}" type="datetimeFigureOut">
               <a:rPr lang="id-ID" smtClean="0"/>
-              <a:t>06/02/2022</a:t>
+              <a:t>15/02/2022</a:t>
             </a:fld>
             <a:endParaRPr lang="id-ID"/>
           </a:p>
@@ -1250,7 +1250,7 @@
           <a:p>
             <a:fld id="{5E022D91-C303-4029-8807-F49343F41D60}" type="datetimeFigureOut">
               <a:rPr lang="id-ID" smtClean="0"/>
-              <a:t>06/02/2022</a:t>
+              <a:t>15/02/2022</a:t>
             </a:fld>
             <a:endParaRPr lang="id-ID"/>
           </a:p>
@@ -1526,7 +1526,7 @@
           <a:p>
             <a:fld id="{5E022D91-C303-4029-8807-F49343F41D60}" type="datetimeFigureOut">
               <a:rPr lang="id-ID" smtClean="0"/>
-              <a:t>06/02/2022</a:t>
+              <a:t>15/02/2022</a:t>
             </a:fld>
             <a:endParaRPr lang="id-ID"/>
           </a:p>
@@ -1794,7 +1794,7 @@
           <a:p>
             <a:fld id="{5E022D91-C303-4029-8807-F49343F41D60}" type="datetimeFigureOut">
               <a:rPr lang="id-ID" smtClean="0"/>
-              <a:t>06/02/2022</a:t>
+              <a:t>15/02/2022</a:t>
             </a:fld>
             <a:endParaRPr lang="id-ID"/>
           </a:p>
@@ -2209,7 +2209,7 @@
           <a:p>
             <a:fld id="{5E022D91-C303-4029-8807-F49343F41D60}" type="datetimeFigureOut">
               <a:rPr lang="id-ID" smtClean="0"/>
-              <a:t>06/02/2022</a:t>
+              <a:t>15/02/2022</a:t>
             </a:fld>
             <a:endParaRPr lang="id-ID"/>
           </a:p>
@@ -2351,7 +2351,7 @@
           <a:p>
             <a:fld id="{5E022D91-C303-4029-8807-F49343F41D60}" type="datetimeFigureOut">
               <a:rPr lang="id-ID" smtClean="0"/>
-              <a:t>06/02/2022</a:t>
+              <a:t>15/02/2022</a:t>
             </a:fld>
             <a:endParaRPr lang="id-ID"/>
           </a:p>
@@ -2464,7 +2464,7 @@
           <a:p>
             <a:fld id="{5E022D91-C303-4029-8807-F49343F41D60}" type="datetimeFigureOut">
               <a:rPr lang="id-ID" smtClean="0"/>
-              <a:t>06/02/2022</a:t>
+              <a:t>15/02/2022</a:t>
             </a:fld>
             <a:endParaRPr lang="id-ID"/>
           </a:p>
@@ -2777,7 +2777,7 @@
           <a:p>
             <a:fld id="{5E022D91-C303-4029-8807-F49343F41D60}" type="datetimeFigureOut">
               <a:rPr lang="id-ID" smtClean="0"/>
-              <a:t>06/02/2022</a:t>
+              <a:t>15/02/2022</a:t>
             </a:fld>
             <a:endParaRPr lang="id-ID"/>
           </a:p>
@@ -3066,7 +3066,7 @@
           <a:p>
             <a:fld id="{5E022D91-C303-4029-8807-F49343F41D60}" type="datetimeFigureOut">
               <a:rPr lang="id-ID" smtClean="0"/>
-              <a:t>06/02/2022</a:t>
+              <a:t>15/02/2022</a:t>
             </a:fld>
             <a:endParaRPr lang="id-ID"/>
           </a:p>
@@ -3309,7 +3309,7 @@
           <a:p>
             <a:fld id="{5E022D91-C303-4029-8807-F49343F41D60}" type="datetimeFigureOut">
               <a:rPr lang="id-ID" smtClean="0"/>
-              <a:t>06/02/2022</a:t>
+              <a:t>15/02/2022</a:t>
             </a:fld>
             <a:endParaRPr lang="id-ID"/>
           </a:p>
@@ -8673,226 +8673,6 @@
         </p:nvSpPr>
         <p:spPr>
           <a:xfrm>
-            <a:off x="838200" y="1076770"/>
-            <a:ext cx="10515600" cy="5100193"/>
-          </a:xfrm>
-        </p:spPr>
-        <p:txBody>
-          <a:bodyPr/>
-          <a:lstStyle/>
-          <a:p>
-            <a:pPr marL="0" indent="0">
-              <a:buNone/>
-            </a:pPr>
-            <a:r>
-              <a:rPr lang="en-US" dirty="0">
-                <a:latin typeface="Mulat Addis" pitchFamily="2" charset="0"/>
-              </a:rPr>
-              <a:t>Hasil </a:t>
-            </a:r>
-            <a:r>
-              <a:rPr lang="en-US" dirty="0" err="1">
-                <a:latin typeface="Mulat Addis" pitchFamily="2" charset="0"/>
-              </a:rPr>
-              <a:t>Pengujian</a:t>
-            </a:r>
-            <a:endParaRPr lang="id-ID" dirty="0">
-              <a:latin typeface="Mulat Addis" pitchFamily="2" charset="0"/>
-            </a:endParaRPr>
-          </a:p>
-        </p:txBody>
-      </p:sp>
-      <p:pic>
-        <p:nvPicPr>
-          <p:cNvPr id="5" name="Picture 4">
-            <a:extLst>
-              <a:ext uri="{FF2B5EF4-FFF2-40B4-BE49-F238E27FC236}">
-                <a16:creationId xmlns:a16="http://schemas.microsoft.com/office/drawing/2014/main" id="{BF89B8C9-C002-4DF6-A4D1-9E8A0AA5022B}"/>
-              </a:ext>
-            </a:extLst>
-          </p:cNvPr>
-          <p:cNvPicPr>
-            <a:picLocks noChangeAspect="1"/>
-          </p:cNvPicPr>
-          <p:nvPr/>
-        </p:nvPicPr>
-        <p:blipFill>
-          <a:blip r:embed="rId2"/>
-          <a:stretch>
-            <a:fillRect/>
-          </a:stretch>
-        </p:blipFill>
-        <p:spPr>
-          <a:xfrm>
-            <a:off x="169256" y="2427376"/>
-            <a:ext cx="5679066" cy="2380656"/>
-          </a:xfrm>
-          <a:prstGeom prst="rect">
-            <a:avLst/>
-          </a:prstGeom>
-        </p:spPr>
-      </p:pic>
-      <p:pic>
-        <p:nvPicPr>
-          <p:cNvPr id="7" name="Picture 6">
-            <a:extLst>
-              <a:ext uri="{FF2B5EF4-FFF2-40B4-BE49-F238E27FC236}">
-                <a16:creationId xmlns:a16="http://schemas.microsoft.com/office/drawing/2014/main" id="{0D8994F6-AA30-4A80-AD32-2F91D0AA6D58}"/>
-              </a:ext>
-            </a:extLst>
-          </p:cNvPr>
-          <p:cNvPicPr>
-            <a:picLocks noChangeAspect="1"/>
-          </p:cNvPicPr>
-          <p:nvPr/>
-        </p:nvPicPr>
-        <p:blipFill>
-          <a:blip r:embed="rId3"/>
-          <a:stretch>
-            <a:fillRect/>
-          </a:stretch>
-        </p:blipFill>
-        <p:spPr>
-          <a:xfrm>
-            <a:off x="5975202" y="2427376"/>
-            <a:ext cx="6056088" cy="3147835"/>
-          </a:xfrm>
-          <a:prstGeom prst="rect">
-            <a:avLst/>
-          </a:prstGeom>
-        </p:spPr>
-      </p:pic>
-      <p:pic>
-        <p:nvPicPr>
-          <p:cNvPr id="6" name="Picture 5" descr="Logo, icon&#10;&#10;Description automatically generated">
-            <a:extLst>
-              <a:ext uri="{FF2B5EF4-FFF2-40B4-BE49-F238E27FC236}">
-                <a16:creationId xmlns:a16="http://schemas.microsoft.com/office/drawing/2014/main" id="{EC3D3122-F584-4606-8607-8BCA79594C5B}"/>
-              </a:ext>
-            </a:extLst>
-          </p:cNvPr>
-          <p:cNvPicPr>
-            <a:picLocks noChangeAspect="1"/>
-          </p:cNvPicPr>
-          <p:nvPr/>
-        </p:nvPicPr>
-        <p:blipFill>
-          <a:blip r:embed="rId4">
-            <a:alphaModFix amt="50000"/>
-            <a:extLst>
-              <a:ext uri="{28A0092B-C50C-407E-A947-70E740481C1C}">
-                <a14:useLocalDpi xmlns:a14="http://schemas.microsoft.com/office/drawing/2010/main" val="0"/>
-              </a:ext>
-            </a:extLst>
-          </a:blip>
-          <a:stretch>
-            <a:fillRect/>
-          </a:stretch>
-        </p:blipFill>
-        <p:spPr>
-          <a:xfrm>
-            <a:off x="0" y="5913690"/>
-            <a:ext cx="944310" cy="944310"/>
-          </a:xfrm>
-          <a:prstGeom prst="rect">
-            <a:avLst/>
-          </a:prstGeom>
-        </p:spPr>
-      </p:pic>
-    </p:spTree>
-    <p:extLst>
-      <p:ext uri="{BB962C8B-B14F-4D97-AF65-F5344CB8AC3E}">
-        <p14:creationId xmlns:p14="http://schemas.microsoft.com/office/powerpoint/2010/main" val="3513930497"/>
-      </p:ext>
-    </p:extLst>
-  </p:cSld>
-  <p:clrMapOvr>
-    <a:masterClrMapping/>
-  </p:clrMapOvr>
-</p:sld>
-</file>
-
-<file path=ppt/slides/slide23.xml><?xml version="1.0" encoding="utf-8"?>
-<p:sld xmlns:a="http://schemas.openxmlformats.org/drawingml/2006/main" xmlns:r="http://schemas.openxmlformats.org/officeDocument/2006/relationships" xmlns:p="http://schemas.openxmlformats.org/presentationml/2006/main">
-  <p:cSld>
-    <p:spTree>
-      <p:nvGrpSpPr>
-        <p:cNvPr id="1" name=""/>
-        <p:cNvGrpSpPr/>
-        <p:nvPr/>
-      </p:nvGrpSpPr>
-      <p:grpSpPr>
-        <a:xfrm>
-          <a:off x="0" y="0"/>
-          <a:ext cx="0" cy="0"/>
-          <a:chOff x="0" y="0"/>
-          <a:chExt cx="0" cy="0"/>
-        </a:xfrm>
-      </p:grpSpPr>
-      <p:sp>
-        <p:nvSpPr>
-          <p:cNvPr id="2" name="Title 1">
-            <a:extLst>
-              <a:ext uri="{FF2B5EF4-FFF2-40B4-BE49-F238E27FC236}">
-                <a16:creationId xmlns:a16="http://schemas.microsoft.com/office/drawing/2014/main" id="{C49D1588-1D9D-4400-B877-796832D24FA0}"/>
-              </a:ext>
-            </a:extLst>
-          </p:cNvPr>
-          <p:cNvSpPr>
-            <a:spLocks noGrp="1"/>
-          </p:cNvSpPr>
-          <p:nvPr>
-            <p:ph type="title"/>
-          </p:nvPr>
-        </p:nvSpPr>
-        <p:spPr>
-          <a:xfrm>
-            <a:off x="838200" y="365126"/>
-            <a:ext cx="10515600" cy="600550"/>
-          </a:xfrm>
-        </p:spPr>
-        <p:txBody>
-          <a:bodyPr>
-            <a:normAutofit fontScale="90000"/>
-          </a:bodyPr>
-          <a:lstStyle/>
-          <a:p>
-            <a:r>
-              <a:rPr lang="en-US" dirty="0">
-                <a:latin typeface="Mulat Addis" pitchFamily="2" charset="0"/>
-              </a:rPr>
-              <a:t>4. </a:t>
-            </a:r>
-            <a:r>
-              <a:rPr lang="en-US" dirty="0" err="1">
-                <a:latin typeface="Mulat Addis" pitchFamily="2" charset="0"/>
-              </a:rPr>
-              <a:t>Evaluasi</a:t>
-            </a:r>
-            <a:endParaRPr lang="id-ID" dirty="0">
-              <a:latin typeface="Mulat Addis" pitchFamily="2" charset="0"/>
-            </a:endParaRPr>
-          </a:p>
-        </p:txBody>
-      </p:sp>
-      <p:sp>
-        <p:nvSpPr>
-          <p:cNvPr id="3" name="Content Placeholder 2">
-            <a:extLst>
-              <a:ext uri="{FF2B5EF4-FFF2-40B4-BE49-F238E27FC236}">
-                <a16:creationId xmlns:a16="http://schemas.microsoft.com/office/drawing/2014/main" id="{10C0F99A-93C1-4A18-84E7-C79F3DA8FD4E}"/>
-              </a:ext>
-            </a:extLst>
-          </p:cNvPr>
-          <p:cNvSpPr>
-            <a:spLocks noGrp="1"/>
-          </p:cNvSpPr>
-          <p:nvPr>
-            <p:ph idx="1"/>
-          </p:nvPr>
-        </p:nvSpPr>
-        <p:spPr>
-          <a:xfrm>
             <a:off x="838200" y="1051133"/>
             <a:ext cx="10515600" cy="5125830"/>
           </a:xfrm>
@@ -8958,36 +8738,6 @@
           </a:prstGeom>
         </p:spPr>
       </p:pic>
-      <p:pic>
-        <p:nvPicPr>
-          <p:cNvPr id="7" name="Picture 6">
-            <a:extLst>
-              <a:ext uri="{FF2B5EF4-FFF2-40B4-BE49-F238E27FC236}">
-                <a16:creationId xmlns:a16="http://schemas.microsoft.com/office/drawing/2014/main" id="{0D8994F6-AA30-4A80-AD32-2F91D0AA6D58}"/>
-              </a:ext>
-            </a:extLst>
-          </p:cNvPr>
-          <p:cNvPicPr>
-            <a:picLocks noChangeAspect="1"/>
-          </p:cNvPicPr>
-          <p:nvPr/>
-        </p:nvPicPr>
-        <p:blipFill>
-          <a:blip r:embed="rId3"/>
-          <a:stretch>
-            <a:fillRect/>
-          </a:stretch>
-        </p:blipFill>
-        <p:spPr>
-          <a:xfrm>
-            <a:off x="5975202" y="1554734"/>
-            <a:ext cx="6056088" cy="3147835"/>
-          </a:xfrm>
-          <a:prstGeom prst="rect">
-            <a:avLst/>
-          </a:prstGeom>
-        </p:spPr>
-      </p:pic>
       <p:sp>
         <p:nvSpPr>
           <p:cNvPr id="4" name="TextBox 3">
@@ -9072,7 +8822,7 @@
             </a:pPr>
             <a:r>
               <a:rPr lang="en-US" dirty="0" err="1"/>
-              <a:t>Stopwords</a:t>
+              <a:t>Modifikasi</a:t>
             </a:r>
             <a:r>
               <a:rPr lang="en-US" dirty="0"/>
@@ -9080,61 +8830,11 @@
             </a:r>
             <a:r>
               <a:rPr lang="en-US" dirty="0" err="1"/>
-              <a:t>modifikasi</a:t>
+              <a:t>stopwords</a:t>
             </a:r>
             <a:r>
               <a:rPr lang="en-US" dirty="0"/>
-              <a:t> </a:t>
-            </a:r>
-            <a:r>
-              <a:rPr lang="en-US" dirty="0" err="1"/>
-              <a:t>secara</a:t>
-            </a:r>
-            <a:r>
-              <a:rPr lang="en-US" dirty="0"/>
-              <a:t> rata-rata </a:t>
-            </a:r>
-            <a:r>
-              <a:rPr lang="en-US" dirty="0" err="1"/>
-              <a:t>dapat</a:t>
-            </a:r>
-            <a:r>
-              <a:rPr lang="en-US" dirty="0"/>
-              <a:t> </a:t>
-            </a:r>
-            <a:r>
-              <a:rPr lang="en-US" dirty="0" err="1"/>
-              <a:t>meningkatkan</a:t>
-            </a:r>
-            <a:r>
-              <a:rPr lang="en-US" dirty="0"/>
-              <a:t> </a:t>
-            </a:r>
-            <a:r>
-              <a:rPr lang="en-US" dirty="0" err="1"/>
-              <a:t>performa</a:t>
-            </a:r>
-            <a:r>
-              <a:rPr lang="en-US" dirty="0"/>
-              <a:t> </a:t>
-            </a:r>
-            <a:r>
-              <a:rPr lang="en-US" dirty="0" err="1"/>
-              <a:t>klasifikasi</a:t>
-            </a:r>
-            <a:r>
-              <a:rPr lang="en-US" dirty="0"/>
-              <a:t>.</a:t>
-            </a:r>
-          </a:p>
-          <a:p>
-            <a:pPr marL="285750" indent="-285750">
-              <a:buFontTx/>
-              <a:buChar char="-"/>
-            </a:pPr>
-            <a:r>
-              <a:rPr lang="en-US" dirty="0"/>
-              <a:t>TFPOS-IDF </a:t>
+              <a:t> &amp; TFPOS-IDF </a:t>
             </a:r>
             <a:r>
               <a:rPr lang="en-US" dirty="0" err="1"/>
@@ -9195,7 +8895,7 @@
           <p:nvPr/>
         </p:nvPicPr>
         <p:blipFill>
-          <a:blip r:embed="rId4">
+          <a:blip r:embed="rId3">
             <a:alphaModFix amt="50000"/>
             <a:extLst>
               <a:ext uri="{28A0092B-C50C-407E-A947-70E740481C1C}">
@@ -9211,6 +8911,36 @@
           <a:xfrm>
             <a:off x="0" y="5913690"/>
             <a:ext cx="944310" cy="944310"/>
+          </a:xfrm>
+          <a:prstGeom prst="rect">
+            <a:avLst/>
+          </a:prstGeom>
+        </p:spPr>
+      </p:pic>
+      <p:pic>
+        <p:nvPicPr>
+          <p:cNvPr id="9" name="Picture 8">
+            <a:extLst>
+              <a:ext uri="{FF2B5EF4-FFF2-40B4-BE49-F238E27FC236}">
+                <a16:creationId xmlns:a16="http://schemas.microsoft.com/office/drawing/2014/main" id="{8B077848-7498-4264-A9E4-D1058CD550B6}"/>
+              </a:ext>
+            </a:extLst>
+          </p:cNvPr>
+          <p:cNvPicPr>
+            <a:picLocks noChangeAspect="1"/>
+          </p:cNvPicPr>
+          <p:nvPr/>
+        </p:nvPicPr>
+        <p:blipFill>
+          <a:blip r:embed="rId4"/>
+          <a:stretch>
+            <a:fillRect/>
+          </a:stretch>
+        </p:blipFill>
+        <p:spPr>
+          <a:xfrm>
+            <a:off x="5915025" y="1554734"/>
+            <a:ext cx="6045210" cy="3147835"/>
           </a:xfrm>
           <a:prstGeom prst="rect">
             <a:avLst/>
@@ -9230,7 +8960,7 @@
 </p:sld>
 </file>
 
-<file path=ppt/slides/slide24.xml><?xml version="1.0" encoding="utf-8"?>
+<file path=ppt/slides/slide23.xml><?xml version="1.0" encoding="utf-8"?>
 <p:sld xmlns:a="http://schemas.openxmlformats.org/drawingml/2006/main" xmlns:r="http://schemas.openxmlformats.org/officeDocument/2006/relationships" xmlns:p="http://schemas.openxmlformats.org/presentationml/2006/main">
   <p:cSld>
     <p:spTree>
@@ -10104,7 +9834,7 @@
 </p:sld>
 </file>
 
-<file path=ppt/slides/slide25.xml><?xml version="1.0" encoding="utf-8"?>
+<file path=ppt/slides/slide24.xml><?xml version="1.0" encoding="utf-8"?>
 <p:sld xmlns:a="http://schemas.openxmlformats.org/drawingml/2006/main" xmlns:r="http://schemas.openxmlformats.org/officeDocument/2006/relationships" xmlns:p="http://schemas.openxmlformats.org/presentationml/2006/main">
   <p:cSld>
     <p:spTree>
@@ -10321,6 +10051,754 @@
     <p:extLst>
       <p:ext uri="{BB962C8B-B14F-4D97-AF65-F5344CB8AC3E}">
         <p14:creationId xmlns:p14="http://schemas.microsoft.com/office/powerpoint/2010/main" val="3526963694"/>
+      </p:ext>
+    </p:extLst>
+  </p:cSld>
+  <p:clrMapOvr>
+    <a:masterClrMapping/>
+  </p:clrMapOvr>
+</p:sld>
+</file>
+
+<file path=ppt/slides/slide25.xml><?xml version="1.0" encoding="utf-8"?>
+<p:sld xmlns:a="http://schemas.openxmlformats.org/drawingml/2006/main" xmlns:r="http://schemas.openxmlformats.org/officeDocument/2006/relationships" xmlns:p="http://schemas.openxmlformats.org/presentationml/2006/main">
+  <p:cSld>
+    <p:spTree>
+      <p:nvGrpSpPr>
+        <p:cNvPr id="1" name=""/>
+        <p:cNvGrpSpPr/>
+        <p:nvPr/>
+      </p:nvGrpSpPr>
+      <p:grpSpPr>
+        <a:xfrm>
+          <a:off x="0" y="0"/>
+          <a:ext cx="0" cy="0"/>
+          <a:chOff x="0" y="0"/>
+          <a:chExt cx="0" cy="0"/>
+        </a:xfrm>
+      </p:grpSpPr>
+      <p:sp>
+        <p:nvSpPr>
+          <p:cNvPr id="2" name="Title 1">
+            <a:extLst>
+              <a:ext uri="{FF2B5EF4-FFF2-40B4-BE49-F238E27FC236}">
+                <a16:creationId xmlns:a16="http://schemas.microsoft.com/office/drawing/2014/main" id="{C49D1588-1D9D-4400-B877-796832D24FA0}"/>
+              </a:ext>
+            </a:extLst>
+          </p:cNvPr>
+          <p:cNvSpPr>
+            <a:spLocks noGrp="1"/>
+          </p:cNvSpPr>
+          <p:nvPr>
+            <p:ph type="title"/>
+          </p:nvPr>
+        </p:nvSpPr>
+        <p:spPr>
+          <a:xfrm>
+            <a:off x="838200" y="365126"/>
+            <a:ext cx="10515600" cy="600550"/>
+          </a:xfrm>
+        </p:spPr>
+        <p:txBody>
+          <a:bodyPr>
+            <a:normAutofit fontScale="90000"/>
+          </a:bodyPr>
+          <a:lstStyle/>
+          <a:p>
+            <a:r>
+              <a:rPr lang="en-US" dirty="0">
+                <a:latin typeface="Mulat Addis" pitchFamily="2" charset="0"/>
+              </a:rPr>
+              <a:t>4. </a:t>
+            </a:r>
+            <a:r>
+              <a:rPr lang="en-US" dirty="0" err="1">
+                <a:latin typeface="Mulat Addis" pitchFamily="2" charset="0"/>
+              </a:rPr>
+              <a:t>Evaluasi</a:t>
+            </a:r>
+            <a:endParaRPr lang="id-ID" dirty="0">
+              <a:latin typeface="Mulat Addis" pitchFamily="2" charset="0"/>
+            </a:endParaRPr>
+          </a:p>
+        </p:txBody>
+      </p:sp>
+      <p:sp>
+        <p:nvSpPr>
+          <p:cNvPr id="3" name="Content Placeholder 2">
+            <a:extLst>
+              <a:ext uri="{FF2B5EF4-FFF2-40B4-BE49-F238E27FC236}">
+                <a16:creationId xmlns:a16="http://schemas.microsoft.com/office/drawing/2014/main" id="{10C0F99A-93C1-4A18-84E7-C79F3DA8FD4E}"/>
+              </a:ext>
+            </a:extLst>
+          </p:cNvPr>
+          <p:cNvSpPr>
+            <a:spLocks noGrp="1"/>
+          </p:cNvSpPr>
+          <p:nvPr>
+            <p:ph idx="1"/>
+          </p:nvPr>
+        </p:nvSpPr>
+        <p:spPr>
+          <a:xfrm>
+            <a:off x="838200" y="1051133"/>
+            <a:ext cx="10515600" cy="5125830"/>
+          </a:xfrm>
+        </p:spPr>
+        <p:txBody>
+          <a:bodyPr/>
+          <a:lstStyle/>
+          <a:p>
+            <a:pPr marL="0" indent="0">
+              <a:buNone/>
+            </a:pPr>
+            <a:r>
+              <a:rPr lang="en-US" dirty="0" err="1">
+                <a:latin typeface="Mulat Addis" pitchFamily="2" charset="0"/>
+              </a:rPr>
+              <a:t>Analisis</a:t>
+            </a:r>
+            <a:r>
+              <a:rPr lang="en-US" dirty="0">
+                <a:latin typeface="Mulat Addis" pitchFamily="2" charset="0"/>
+              </a:rPr>
+              <a:t> Hasil </a:t>
+            </a:r>
+            <a:r>
+              <a:rPr lang="en-US" dirty="0" err="1">
+                <a:latin typeface="Mulat Addis" pitchFamily="2" charset="0"/>
+              </a:rPr>
+              <a:t>Pengujian</a:t>
+            </a:r>
+            <a:endParaRPr lang="id-ID" dirty="0">
+              <a:latin typeface="Mulat Addis" pitchFamily="2" charset="0"/>
+            </a:endParaRPr>
+          </a:p>
+        </p:txBody>
+      </p:sp>
+      <p:pic>
+        <p:nvPicPr>
+          <p:cNvPr id="8" name="Picture 7" descr="Logo, icon&#10;&#10;Description automatically generated">
+            <a:extLst>
+              <a:ext uri="{FF2B5EF4-FFF2-40B4-BE49-F238E27FC236}">
+                <a16:creationId xmlns:a16="http://schemas.microsoft.com/office/drawing/2014/main" id="{DBD72FFB-D85B-4CA5-9265-5759AF28F490}"/>
+              </a:ext>
+            </a:extLst>
+          </p:cNvPr>
+          <p:cNvPicPr>
+            <a:picLocks noChangeAspect="1"/>
+          </p:cNvPicPr>
+          <p:nvPr/>
+        </p:nvPicPr>
+        <p:blipFill>
+          <a:blip r:embed="rId2">
+            <a:alphaModFix amt="50000"/>
+            <a:extLst>
+              <a:ext uri="{28A0092B-C50C-407E-A947-70E740481C1C}">
+                <a14:useLocalDpi xmlns:a14="http://schemas.microsoft.com/office/drawing/2010/main" val="0"/>
+              </a:ext>
+            </a:extLst>
+          </a:blip>
+          <a:stretch>
+            <a:fillRect/>
+          </a:stretch>
+        </p:blipFill>
+        <p:spPr>
+          <a:xfrm>
+            <a:off x="0" y="5913690"/>
+            <a:ext cx="944310" cy="944310"/>
+          </a:xfrm>
+          <a:prstGeom prst="rect">
+            <a:avLst/>
+          </a:prstGeom>
+        </p:spPr>
+      </p:pic>
+      <p:graphicFrame>
+        <p:nvGraphicFramePr>
+          <p:cNvPr id="4" name="Table 4">
+            <a:extLst>
+              <a:ext uri="{FF2B5EF4-FFF2-40B4-BE49-F238E27FC236}">
+                <a16:creationId xmlns:a16="http://schemas.microsoft.com/office/drawing/2014/main" id="{5FC21F79-4048-42A3-9E09-DD48BC1B1C15}"/>
+              </a:ext>
+            </a:extLst>
+          </p:cNvPr>
+          <p:cNvGraphicFramePr>
+            <a:graphicFrameLocks noGrp="1"/>
+          </p:cNvGraphicFramePr>
+          <p:nvPr>
+            <p:extLst>
+              <p:ext uri="{D42A27DB-BD31-4B8C-83A1-F6EECF244321}">
+                <p14:modId xmlns:p14="http://schemas.microsoft.com/office/powerpoint/2010/main" val="225608185"/>
+              </p:ext>
+            </p:extLst>
+          </p:nvPr>
+        </p:nvGraphicFramePr>
+        <p:xfrm>
+          <a:off x="838200" y="3155107"/>
+          <a:ext cx="3276000" cy="1066800"/>
+        </p:xfrm>
+        <a:graphic>
+          <a:graphicData uri="http://schemas.openxmlformats.org/drawingml/2006/table">
+            <a:tbl>
+              <a:tblPr firstRow="1" bandRow="1">
+                <a:tableStyleId>{F5AB1C69-6EDB-4FF4-983F-18BD219EF322}</a:tableStyleId>
+              </a:tblPr>
+              <a:tblGrid>
+                <a:gridCol w="1092000">
+                  <a:extLst>
+                    <a:ext uri="{9D8B030D-6E8A-4147-A177-3AD203B41FA5}">
+                      <a16:colId xmlns:a16="http://schemas.microsoft.com/office/drawing/2014/main" val="2861294661"/>
+                    </a:ext>
+                  </a:extLst>
+                </a:gridCol>
+                <a:gridCol w="1092000">
+                  <a:extLst>
+                    <a:ext uri="{9D8B030D-6E8A-4147-A177-3AD203B41FA5}">
+                      <a16:colId xmlns:a16="http://schemas.microsoft.com/office/drawing/2014/main" val="3680324826"/>
+                    </a:ext>
+                  </a:extLst>
+                </a:gridCol>
+                <a:gridCol w="1092000">
+                  <a:extLst>
+                    <a:ext uri="{9D8B030D-6E8A-4147-A177-3AD203B41FA5}">
+                      <a16:colId xmlns:a16="http://schemas.microsoft.com/office/drawing/2014/main" val="1510054459"/>
+                    </a:ext>
+                  </a:extLst>
+                </a:gridCol>
+              </a:tblGrid>
+              <a:tr h="447429">
+                <a:tc>
+                  <a:txBody>
+                    <a:bodyPr/>
+                    <a:lstStyle/>
+                    <a:p>
+                      <a:endParaRPr lang="id-ID" dirty="0"/>
+                    </a:p>
+                  </a:txBody>
+                  <a:tcPr anchor="ctr"/>
+                </a:tc>
+                <a:tc>
+                  <a:txBody>
+                    <a:bodyPr/>
+                    <a:lstStyle/>
+                    <a:p>
+                      <a:r>
+                        <a:rPr lang="en-US" sz="1200" dirty="0"/>
+                        <a:t>Predicted C4, Actual C3</a:t>
+                      </a:r>
+                      <a:endParaRPr lang="id-ID" sz="1200" dirty="0"/>
+                    </a:p>
+                  </a:txBody>
+                  <a:tcPr anchor="ctr"/>
+                </a:tc>
+                <a:tc>
+                  <a:txBody>
+                    <a:bodyPr/>
+                    <a:lstStyle/>
+                    <a:p>
+                      <a:r>
+                        <a:rPr lang="en-US" sz="1200" dirty="0"/>
+                        <a:t>Predicted C2, Actual C3</a:t>
+                      </a:r>
+                      <a:endParaRPr lang="id-ID" sz="1200" dirty="0"/>
+                    </a:p>
+                  </a:txBody>
+                  <a:tcPr anchor="ctr"/>
+                </a:tc>
+                <a:extLst>
+                  <a:ext uri="{0D108BD9-81ED-4DB2-BD59-A6C34878D82A}">
+                    <a16:rowId xmlns:a16="http://schemas.microsoft.com/office/drawing/2014/main" val="1538170922"/>
+                  </a:ext>
+                </a:extLst>
+              </a:tr>
+              <a:tr h="298286">
+                <a:tc>
+                  <a:txBody>
+                    <a:bodyPr/>
+                    <a:lstStyle/>
+                    <a:p>
+                      <a:pPr algn="ctr"/>
+                      <a:r>
+                        <a:rPr lang="en-US" sz="1400" b="1" dirty="0"/>
+                        <a:t>SVM</a:t>
+                      </a:r>
+                      <a:endParaRPr lang="id-ID" sz="1400" b="1" dirty="0"/>
+                    </a:p>
+                  </a:txBody>
+                  <a:tcPr anchor="ctr"/>
+                </a:tc>
+                <a:tc>
+                  <a:txBody>
+                    <a:bodyPr/>
+                    <a:lstStyle/>
+                    <a:p>
+                      <a:pPr algn="ctr"/>
+                      <a:r>
+                        <a:rPr lang="en-US" sz="1400" b="1" dirty="0"/>
+                        <a:t>8</a:t>
+                      </a:r>
+                      <a:endParaRPr lang="id-ID" sz="1400" b="1" dirty="0"/>
+                    </a:p>
+                  </a:txBody>
+                  <a:tcPr anchor="ctr"/>
+                </a:tc>
+                <a:tc>
+                  <a:txBody>
+                    <a:bodyPr/>
+                    <a:lstStyle/>
+                    <a:p>
+                      <a:pPr algn="ctr"/>
+                      <a:r>
+                        <a:rPr lang="en-US" sz="1400" b="1" dirty="0"/>
+                        <a:t>7</a:t>
+                      </a:r>
+                      <a:endParaRPr lang="id-ID" sz="1400" b="1" dirty="0"/>
+                    </a:p>
+                  </a:txBody>
+                  <a:tcPr anchor="ctr"/>
+                </a:tc>
+                <a:extLst>
+                  <a:ext uri="{0D108BD9-81ED-4DB2-BD59-A6C34878D82A}">
+                    <a16:rowId xmlns:a16="http://schemas.microsoft.com/office/drawing/2014/main" val="3637460565"/>
+                  </a:ext>
+                </a:extLst>
+              </a:tr>
+              <a:tr h="298286">
+                <a:tc>
+                  <a:txBody>
+                    <a:bodyPr/>
+                    <a:lstStyle/>
+                    <a:p>
+                      <a:pPr algn="ctr"/>
+                      <a:r>
+                        <a:rPr lang="en-US" sz="1400" b="1" dirty="0"/>
+                        <a:t>NB</a:t>
+                      </a:r>
+                      <a:endParaRPr lang="id-ID" sz="1400" b="1" dirty="0"/>
+                    </a:p>
+                  </a:txBody>
+                  <a:tcPr anchor="ctr"/>
+                </a:tc>
+                <a:tc>
+                  <a:txBody>
+                    <a:bodyPr/>
+                    <a:lstStyle/>
+                    <a:p>
+                      <a:pPr algn="ctr"/>
+                      <a:r>
+                        <a:rPr lang="en-US" sz="1400" b="1" dirty="0"/>
+                        <a:t>7</a:t>
+                      </a:r>
+                      <a:endParaRPr lang="id-ID" sz="1400" b="1" dirty="0"/>
+                    </a:p>
+                  </a:txBody>
+                  <a:tcPr anchor="ctr"/>
+                </a:tc>
+                <a:tc>
+                  <a:txBody>
+                    <a:bodyPr/>
+                    <a:lstStyle/>
+                    <a:p>
+                      <a:pPr algn="ctr"/>
+                      <a:r>
+                        <a:rPr lang="en-US" sz="1400" b="1" dirty="0"/>
+                        <a:t>9</a:t>
+                      </a:r>
+                      <a:endParaRPr lang="id-ID" sz="1400" b="1" dirty="0"/>
+                    </a:p>
+                  </a:txBody>
+                  <a:tcPr anchor="ctr"/>
+                </a:tc>
+                <a:extLst>
+                  <a:ext uri="{0D108BD9-81ED-4DB2-BD59-A6C34878D82A}">
+                    <a16:rowId xmlns:a16="http://schemas.microsoft.com/office/drawing/2014/main" val="1141871708"/>
+                  </a:ext>
+                </a:extLst>
+              </a:tr>
+            </a:tbl>
+          </a:graphicData>
+        </a:graphic>
+      </p:graphicFrame>
+      <p:graphicFrame>
+        <p:nvGraphicFramePr>
+          <p:cNvPr id="5" name="Table 5">
+            <a:extLst>
+              <a:ext uri="{FF2B5EF4-FFF2-40B4-BE49-F238E27FC236}">
+                <a16:creationId xmlns:a16="http://schemas.microsoft.com/office/drawing/2014/main" id="{E47D00B9-7DD2-4711-8E84-A8D965803A95}"/>
+              </a:ext>
+            </a:extLst>
+          </p:cNvPr>
+          <p:cNvGraphicFramePr>
+            <a:graphicFrameLocks noGrp="1"/>
+          </p:cNvGraphicFramePr>
+          <p:nvPr>
+            <p:extLst>
+              <p:ext uri="{D42A27DB-BD31-4B8C-83A1-F6EECF244321}">
+                <p14:modId xmlns:p14="http://schemas.microsoft.com/office/powerpoint/2010/main" val="1684302523"/>
+              </p:ext>
+            </p:extLst>
+          </p:nvPr>
+        </p:nvGraphicFramePr>
+        <p:xfrm>
+          <a:off x="4404782" y="1902887"/>
+          <a:ext cx="7210947" cy="949960"/>
+        </p:xfrm>
+        <a:graphic>
+          <a:graphicData uri="http://schemas.openxmlformats.org/drawingml/2006/table">
+            <a:tbl>
+              <a:tblPr firstRow="1" bandRow="1">
+                <a:tableStyleId>{F5AB1C69-6EDB-4FF4-983F-18BD219EF322}</a:tableStyleId>
+              </a:tblPr>
+              <a:tblGrid>
+                <a:gridCol w="3792629">
+                  <a:extLst>
+                    <a:ext uri="{9D8B030D-6E8A-4147-A177-3AD203B41FA5}">
+                      <a16:colId xmlns:a16="http://schemas.microsoft.com/office/drawing/2014/main" val="1716982701"/>
+                    </a:ext>
+                  </a:extLst>
+                </a:gridCol>
+                <a:gridCol w="3418318">
+                  <a:extLst>
+                    <a:ext uri="{9D8B030D-6E8A-4147-A177-3AD203B41FA5}">
+                      <a16:colId xmlns:a16="http://schemas.microsoft.com/office/drawing/2014/main" val="1396687488"/>
+                    </a:ext>
+                  </a:extLst>
+                </a:gridCol>
+              </a:tblGrid>
+              <a:tr h="370840">
+                <a:tc>
+                  <a:txBody>
+                    <a:bodyPr/>
+                    <a:lstStyle/>
+                    <a:p>
+                      <a:pPr algn="ctr"/>
+                      <a:r>
+                        <a:rPr lang="en-US" sz="1600" dirty="0" err="1"/>
+                        <a:t>Contoh</a:t>
+                      </a:r>
+                      <a:r>
+                        <a:rPr lang="en-US" sz="1600" dirty="0"/>
+                        <a:t> </a:t>
+                      </a:r>
+                      <a:r>
+                        <a:rPr lang="en-US" sz="1600" dirty="0" err="1"/>
+                        <a:t>soal</a:t>
+                      </a:r>
+                      <a:r>
+                        <a:rPr lang="en-US" sz="1600" dirty="0"/>
+                        <a:t> </a:t>
+                      </a:r>
+                      <a:r>
+                        <a:rPr lang="en-US" sz="1600" dirty="0" err="1"/>
+                        <a:t>misklasifikasi</a:t>
+                      </a:r>
+                      <a:r>
+                        <a:rPr lang="en-US" sz="1600" dirty="0"/>
+                        <a:t> </a:t>
+                      </a:r>
+                    </a:p>
+                    <a:p>
+                      <a:pPr algn="ctr"/>
+                      <a:r>
+                        <a:rPr lang="en-US" sz="1600" dirty="0"/>
+                        <a:t>Predicted C2, Actual C3</a:t>
+                      </a:r>
+                      <a:endParaRPr lang="id-ID" sz="1600" dirty="0"/>
+                    </a:p>
+                  </a:txBody>
+                  <a:tcPr/>
+                </a:tc>
+                <a:tc>
+                  <a:txBody>
+                    <a:bodyPr/>
+                    <a:lstStyle/>
+                    <a:p>
+                      <a:pPr algn="ctr"/>
+                      <a:r>
+                        <a:rPr lang="en-US" sz="1600" dirty="0" err="1"/>
+                        <a:t>Contoh</a:t>
+                      </a:r>
+                      <a:r>
+                        <a:rPr lang="en-US" sz="1600" dirty="0"/>
+                        <a:t> </a:t>
+                      </a:r>
+                      <a:r>
+                        <a:rPr lang="en-US" sz="1600" dirty="0" err="1"/>
+                        <a:t>Soal</a:t>
+                      </a:r>
+                      <a:r>
+                        <a:rPr lang="en-US" sz="1600" dirty="0"/>
+                        <a:t> </a:t>
+                      </a:r>
+                      <a:r>
+                        <a:rPr lang="en-US" sz="1600" dirty="0" err="1"/>
+                        <a:t>kelas</a:t>
+                      </a:r>
+                      <a:r>
+                        <a:rPr lang="en-US" sz="1600" dirty="0"/>
+                        <a:t> C2</a:t>
+                      </a:r>
+                      <a:endParaRPr lang="id-ID" sz="1600" dirty="0"/>
+                    </a:p>
+                  </a:txBody>
+                  <a:tcPr/>
+                </a:tc>
+                <a:extLst>
+                  <a:ext uri="{0D108BD9-81ED-4DB2-BD59-A6C34878D82A}">
+                    <a16:rowId xmlns:a16="http://schemas.microsoft.com/office/drawing/2014/main" val="2749519786"/>
+                  </a:ext>
+                </a:extLst>
+              </a:tr>
+              <a:tr h="370840">
+                <a:tc>
+                  <a:txBody>
+                    <a:bodyPr/>
+                    <a:lstStyle/>
+                    <a:p>
+                      <a:pPr marL="0" marR="0" lvl="0" indent="0" algn="l" defTabSz="914400" rtl="0" eaLnBrk="1" fontAlgn="auto" latinLnBrk="0" hangingPunct="1">
+                        <a:lnSpc>
+                          <a:spcPct val="100000"/>
+                        </a:lnSpc>
+                        <a:spcBef>
+                          <a:spcPts val="0"/>
+                        </a:spcBef>
+                        <a:spcAft>
+                          <a:spcPts val="0"/>
+                        </a:spcAft>
+                        <a:buClrTx/>
+                        <a:buSzTx/>
+                        <a:buFontTx/>
+                        <a:buNone/>
+                        <a:tabLst/>
+                        <a:defRPr/>
+                      </a:pPr>
+                      <a:r>
+                        <a:rPr lang="id-ID" sz="1200" dirty="0"/>
+                        <a:t>Berikut merupakan contoh kalimat untuk iklan buku tulis..</a:t>
+                      </a:r>
+                    </a:p>
+                  </a:txBody>
+                  <a:tcPr/>
+                </a:tc>
+                <a:tc>
+                  <a:txBody>
+                    <a:bodyPr/>
+                    <a:lstStyle/>
+                    <a:p>
+                      <a:r>
+                        <a:rPr lang="id-ID" sz="1200" dirty="0"/>
+                        <a:t>Berikut merupakan ciri </a:t>
+                      </a:r>
+                      <a:r>
+                        <a:rPr lang="id-ID" sz="1200" dirty="0" err="1"/>
+                        <a:t>ciri</a:t>
+                      </a:r>
+                      <a:r>
+                        <a:rPr lang="id-ID" sz="1200" dirty="0"/>
+                        <a:t> dari iklan baris , kecuali ..</a:t>
+                      </a:r>
+                    </a:p>
+                  </a:txBody>
+                  <a:tcPr/>
+                </a:tc>
+                <a:extLst>
+                  <a:ext uri="{0D108BD9-81ED-4DB2-BD59-A6C34878D82A}">
+                    <a16:rowId xmlns:a16="http://schemas.microsoft.com/office/drawing/2014/main" val="286272852"/>
+                  </a:ext>
+                </a:extLst>
+              </a:tr>
+            </a:tbl>
+          </a:graphicData>
+        </a:graphic>
+      </p:graphicFrame>
+      <p:graphicFrame>
+        <p:nvGraphicFramePr>
+          <p:cNvPr id="9" name="Table 5">
+            <a:extLst>
+              <a:ext uri="{FF2B5EF4-FFF2-40B4-BE49-F238E27FC236}">
+                <a16:creationId xmlns:a16="http://schemas.microsoft.com/office/drawing/2014/main" id="{51558707-AC2A-418A-8B22-199FB97098CF}"/>
+              </a:ext>
+            </a:extLst>
+          </p:cNvPr>
+          <p:cNvGraphicFramePr>
+            <a:graphicFrameLocks noGrp="1"/>
+          </p:cNvGraphicFramePr>
+          <p:nvPr>
+            <p:extLst>
+              <p:ext uri="{D42A27DB-BD31-4B8C-83A1-F6EECF244321}">
+                <p14:modId xmlns:p14="http://schemas.microsoft.com/office/powerpoint/2010/main" val="320600815"/>
+              </p:ext>
+            </p:extLst>
+          </p:nvPr>
+        </p:nvGraphicFramePr>
+        <p:xfrm>
+          <a:off x="4404782" y="4480133"/>
+          <a:ext cx="7210947" cy="1219200"/>
+        </p:xfrm>
+        <a:graphic>
+          <a:graphicData uri="http://schemas.openxmlformats.org/drawingml/2006/table">
+            <a:tbl>
+              <a:tblPr firstRow="1" bandRow="1">
+                <a:tableStyleId>{F5AB1C69-6EDB-4FF4-983F-18BD219EF322}</a:tableStyleId>
+              </a:tblPr>
+              <a:tblGrid>
+                <a:gridCol w="3792629">
+                  <a:extLst>
+                    <a:ext uri="{9D8B030D-6E8A-4147-A177-3AD203B41FA5}">
+                      <a16:colId xmlns:a16="http://schemas.microsoft.com/office/drawing/2014/main" val="1716982701"/>
+                    </a:ext>
+                  </a:extLst>
+                </a:gridCol>
+                <a:gridCol w="3418318">
+                  <a:extLst>
+                    <a:ext uri="{9D8B030D-6E8A-4147-A177-3AD203B41FA5}">
+                      <a16:colId xmlns:a16="http://schemas.microsoft.com/office/drawing/2014/main" val="1396687488"/>
+                    </a:ext>
+                  </a:extLst>
+                </a:gridCol>
+              </a:tblGrid>
+              <a:tr h="370840">
+                <a:tc>
+                  <a:txBody>
+                    <a:bodyPr/>
+                    <a:lstStyle/>
+                    <a:p>
+                      <a:pPr algn="ctr"/>
+                      <a:r>
+                        <a:rPr lang="en-US" sz="1600" dirty="0" err="1"/>
+                        <a:t>Contoh</a:t>
+                      </a:r>
+                      <a:r>
+                        <a:rPr lang="en-US" sz="1600" dirty="0"/>
+                        <a:t> </a:t>
+                      </a:r>
+                      <a:r>
+                        <a:rPr lang="en-US" sz="1600" dirty="0" err="1"/>
+                        <a:t>soal</a:t>
+                      </a:r>
+                      <a:r>
+                        <a:rPr lang="en-US" sz="1600" dirty="0"/>
+                        <a:t> </a:t>
+                      </a:r>
+                      <a:r>
+                        <a:rPr lang="en-US" sz="1600" dirty="0" err="1"/>
+                        <a:t>misklasifikasi</a:t>
+                      </a:r>
+                      <a:r>
+                        <a:rPr lang="en-US" sz="1600" dirty="0"/>
+                        <a:t> </a:t>
+                      </a:r>
+                    </a:p>
+                    <a:p>
+                      <a:pPr algn="ctr"/>
+                      <a:r>
+                        <a:rPr lang="en-US" sz="1600" dirty="0"/>
+                        <a:t>Predicted C4 Actual C3</a:t>
+                      </a:r>
+                      <a:endParaRPr lang="id-ID" sz="1600" dirty="0"/>
+                    </a:p>
+                  </a:txBody>
+                  <a:tcPr/>
+                </a:tc>
+                <a:tc>
+                  <a:txBody>
+                    <a:bodyPr/>
+                    <a:lstStyle/>
+                    <a:p>
+                      <a:pPr algn="ctr"/>
+                      <a:r>
+                        <a:rPr lang="en-US" sz="1600" dirty="0" err="1"/>
+                        <a:t>Contoh</a:t>
+                      </a:r>
+                      <a:r>
+                        <a:rPr lang="en-US" sz="1600" dirty="0"/>
+                        <a:t> </a:t>
+                      </a:r>
+                      <a:r>
+                        <a:rPr lang="en-US" sz="1600" dirty="0" err="1"/>
+                        <a:t>Soal</a:t>
+                      </a:r>
+                      <a:r>
+                        <a:rPr lang="en-US" sz="1600" dirty="0"/>
+                        <a:t> </a:t>
+                      </a:r>
+                      <a:r>
+                        <a:rPr lang="en-US" sz="1600" dirty="0" err="1"/>
+                        <a:t>kelas</a:t>
+                      </a:r>
+                      <a:r>
+                        <a:rPr lang="en-US" sz="1600" dirty="0"/>
+                        <a:t> C4</a:t>
+                      </a:r>
+                      <a:endParaRPr lang="id-ID" sz="1600" dirty="0"/>
+                    </a:p>
+                  </a:txBody>
+                  <a:tcPr/>
+                </a:tc>
+                <a:extLst>
+                  <a:ext uri="{0D108BD9-81ED-4DB2-BD59-A6C34878D82A}">
+                    <a16:rowId xmlns:a16="http://schemas.microsoft.com/office/drawing/2014/main" val="2749519786"/>
+                  </a:ext>
+                </a:extLst>
+              </a:tr>
+              <a:tr h="370840">
+                <a:tc>
+                  <a:txBody>
+                    <a:bodyPr/>
+                    <a:lstStyle/>
+                    <a:p>
+                      <a:pPr marL="0" marR="0" lvl="0" indent="0" algn="l" defTabSz="914400" rtl="0" eaLnBrk="1" fontAlgn="auto" latinLnBrk="0" hangingPunct="1">
+                        <a:lnSpc>
+                          <a:spcPct val="100000"/>
+                        </a:lnSpc>
+                        <a:spcBef>
+                          <a:spcPts val="0"/>
+                        </a:spcBef>
+                        <a:spcAft>
+                          <a:spcPts val="0"/>
+                        </a:spcAft>
+                        <a:buClrTx/>
+                        <a:buSzTx/>
+                        <a:buFontTx/>
+                        <a:buNone/>
+                        <a:tabLst/>
+                        <a:defRPr/>
+                      </a:pPr>
+                      <a:r>
+                        <a:rPr lang="id-ID" sz="1200" dirty="0"/>
+                        <a:t>Ditentukan sin A = ,maka nilai cos 2A adalah ........</a:t>
+                      </a:r>
+                    </a:p>
+                  </a:txBody>
+                  <a:tcPr/>
+                </a:tc>
+                <a:tc>
+                  <a:txBody>
+                    <a:bodyPr/>
+                    <a:lstStyle/>
+                    <a:p>
+                      <a:r>
+                        <a:rPr lang="id-ID" sz="1200" dirty="0"/>
+                        <a:t>Pada segitiga ABC diketahui panjang sisi AB = 10 cm, sisi AC = 12 cm, dan sin B = maka nilai cos C adalah .......</a:t>
+                      </a:r>
+                    </a:p>
+                  </a:txBody>
+                  <a:tcPr/>
+                </a:tc>
+                <a:extLst>
+                  <a:ext uri="{0D108BD9-81ED-4DB2-BD59-A6C34878D82A}">
+                    <a16:rowId xmlns:a16="http://schemas.microsoft.com/office/drawing/2014/main" val="286272852"/>
+                  </a:ext>
+                </a:extLst>
+              </a:tr>
+            </a:tbl>
+          </a:graphicData>
+        </a:graphic>
+      </p:graphicFrame>
+    </p:spTree>
+    <p:extLst>
+      <p:ext uri="{BB962C8B-B14F-4D97-AF65-F5344CB8AC3E}">
+        <p14:creationId xmlns:p14="http://schemas.microsoft.com/office/powerpoint/2010/main" val="722384650"/>
       </p:ext>
     </p:extLst>
   </p:cSld>
